--- a/03 spfxapi.pptx
+++ b/03 spfxapi.pptx
@@ -281,7 +281,7 @@
               <a:rPr lang="en-US" smtClean="0">
                 <a:latin typeface="Segoe UI" pitchFamily="34" charset="0"/>
               </a:rPr>
-              <a:t>10/5/18 6:09 AM</a:t>
+              <a:t>10/8/18 2:57 PM</a:t>
             </a:fld>
             <a:endParaRPr lang="en-US" dirty="0">
               <a:latin typeface="Segoe UI" pitchFamily="34" charset="0"/>
@@ -575,7 +575,7 @@
           <a:p>
             <a:fld id="{D18B56EA-E28F-4F92-9F16-7A6F2501B303}" type="datetime8">
               <a:rPr lang="en-US" smtClean="0"/>
-              <a:t>10/5/18 6:09 AM</a:t>
+              <a:t>10/8/18 2:57 PM</a:t>
             </a:fld>
             <a:endParaRPr lang="en-US" dirty="0"/>
           </a:p>
@@ -958,7 +958,7 @@
           <a:p>
             <a:fld id="{D18B56EA-E28F-4F92-9F16-7A6F2501B303}" type="datetime8">
               <a:rPr lang="en-US" smtClean="0"/>
-              <a:t>10/5/18 6:27 AM</a:t>
+              <a:t>10/8/18 2:57 PM</a:t>
             </a:fld>
             <a:endParaRPr lang="en-US" dirty="0"/>
           </a:p>
@@ -2676,7 +2676,7 @@
           <a:p>
             <a:fld id="{D18B56EA-E28F-4F92-9F16-7A6F2501B303}" type="datetime8">
               <a:rPr lang="en-US" smtClean="0"/>
-              <a:t>10/5/18 6:28 AM</a:t>
+              <a:t>10/8/18 2:57 PM</a:t>
             </a:fld>
             <a:endParaRPr lang="en-US" dirty="0"/>
           </a:p>
@@ -2857,7 +2857,7 @@
           <a:p>
             <a:fld id="{D18B56EA-E28F-4F92-9F16-7A6F2501B303}" type="datetime8">
               <a:rPr lang="en-US" smtClean="0"/>
-              <a:t>10/5/18 6:15 AM</a:t>
+              <a:t>10/8/18 2:57 PM</a:t>
             </a:fld>
             <a:endParaRPr lang="en-US" dirty="0"/>
           </a:p>
@@ -3038,7 +3038,7 @@
           <a:p>
             <a:fld id="{D18B56EA-E28F-4F92-9F16-7A6F2501B303}" type="datetime8">
               <a:rPr lang="en-US" smtClean="0"/>
-              <a:t>10/5/18 6:15 AM</a:t>
+              <a:t>10/8/18 2:57 PM</a:t>
             </a:fld>
             <a:endParaRPr lang="en-US" dirty="0"/>
           </a:p>
@@ -3219,7 +3219,7 @@
           <a:p>
             <a:fld id="{D18B56EA-E28F-4F92-9F16-7A6F2501B303}" type="datetime8">
               <a:rPr lang="en-US" smtClean="0"/>
-              <a:t>10/5/18 6:27 AM</a:t>
+              <a:t>10/8/18 2:57 PM</a:t>
             </a:fld>
             <a:endParaRPr lang="en-US" dirty="0"/>
           </a:p>
@@ -18577,10 +18577,10 @@
       </p:sp>
       <p:pic>
         <p:nvPicPr>
-          <p:cNvPr id="6" name="Picture 5">
+          <p:cNvPr id="3" name="Picture 2">
             <a:extLst>
               <a:ext uri="{FF2B5EF4-FFF2-40B4-BE49-F238E27FC236}">
-                <a16:creationId xmlns:a16="http://schemas.microsoft.com/office/drawing/2014/main" id="{1B6E4B42-B38C-3C41-A670-05C50525BAE1}"/>
+                <a16:creationId xmlns:a16="http://schemas.microsoft.com/office/drawing/2014/main" id="{ECAFE8CB-EE2C-2F4C-B410-799588C173AD}"/>
               </a:ext>
             </a:extLst>
           </p:cNvPr>
@@ -18597,8 +18597,8 @@
         </p:blipFill>
         <p:spPr>
           <a:xfrm>
-            <a:off x="1957974" y="1340626"/>
-            <a:ext cx="8520526" cy="5094897"/>
+            <a:off x="1912938" y="1212849"/>
+            <a:ext cx="8610600" cy="5181600"/>
           </a:xfrm>
           <a:prstGeom prst="rect">
             <a:avLst/>
@@ -19589,7 +19589,7 @@
         <p:spPr>
           <a:xfrm>
             <a:off x="274638" y="1212850"/>
-            <a:ext cx="11887200" cy="3323987"/>
+            <a:ext cx="11887200" cy="4296561"/>
           </a:xfrm>
         </p:spPr>
         <p:txBody>
@@ -19612,6 +19612,9 @@
               <a:rPr lang="en-US" dirty="0"/>
               <a:t> components easier for developers</a:t>
             </a:r>
+          </a:p>
+          <a:p>
+            <a:endParaRPr lang="en-US" dirty="0"/>
           </a:p>
           <a:p>
             <a:r>
